--- a/Slides/In Search of The Forth Chord.pptx
+++ b/Slides/In Search of The Forth Chord.pptx
@@ -5,7 +5,7 @@
     <p:sldMasterId id="2147483759" r:id="rId1"/>
   </p:sldMasterIdLst>
   <p:notesMasterIdLst>
-    <p:notesMasterId r:id="rId19"/>
+    <p:notesMasterId r:id="rId20"/>
   </p:notesMasterIdLst>
   <p:sldIdLst>
     <p:sldId id="256" r:id="rId2"/>
@@ -25,6 +25,7 @@
     <p:sldId id="269" r:id="rId16"/>
     <p:sldId id="272" r:id="rId17"/>
     <p:sldId id="270" r:id="rId18"/>
+    <p:sldId id="273" r:id="rId19"/>
   </p:sldIdLst>
   <p:sldSz cx="12192000" cy="6858000"/>
   <p:notesSz cx="6858000" cy="9144000"/>
@@ -9628,7 +9629,7 @@
           <a:p>
             <a:fld id="{7878F1DB-A55D-4EBE-8459-EF96BA64849F}" type="datetimeFigureOut">
               <a:rPr lang="en-GB" smtClean="0"/>
-              <a:t>15/06/2022</a:t>
+              <a:t>16/06/2022</a:t>
             </a:fld>
             <a:endParaRPr lang="en-GB"/>
           </a:p>
@@ -10485,7 +10486,7 @@
           <a:p>
             <a:fld id="{5E7AA473-D82F-4EFF-9DF7-AE6D83C51288}" type="datetime1">
               <a:rPr lang="en-US" smtClean="0"/>
-              <a:t>6/15/2022</a:t>
+              <a:t>6/16/2022</a:t>
             </a:fld>
             <a:endParaRPr lang="en-US"/>
           </a:p>
@@ -10693,7 +10694,7 @@
           <a:p>
             <a:fld id="{1E12F1F0-FE2D-4C1C-B320-8CB9BE735F0F}" type="datetime1">
               <a:rPr lang="en-US" smtClean="0"/>
-              <a:t>6/15/2022</a:t>
+              <a:t>6/16/2022</a:t>
             </a:fld>
             <a:endParaRPr lang="en-US"/>
           </a:p>
@@ -10949,7 +10950,7 @@
           <a:p>
             <a:fld id="{2CF1B96C-10FD-4EBC-9029-9652B7535D02}" type="datetime1">
               <a:rPr lang="en-US" smtClean="0"/>
-              <a:t>6/15/2022</a:t>
+              <a:t>6/16/2022</a:t>
             </a:fld>
             <a:endParaRPr lang="en-US"/>
           </a:p>
@@ -11123,7 +11124,7 @@
           <a:p>
             <a:fld id="{14878474-CC00-4A95-9D50-A41C12D1EEC4}" type="datetime1">
               <a:rPr lang="en-US" smtClean="0"/>
-              <a:t>6/15/2022</a:t>
+              <a:t>6/16/2022</a:t>
             </a:fld>
             <a:endParaRPr lang="en-US"/>
           </a:p>
@@ -11466,7 +11467,7 @@
           <a:p>
             <a:fld id="{7F38C8B4-7FBB-408F-BDB9-F0496874AFB2}" type="datetime1">
               <a:rPr lang="en-US" smtClean="0"/>
-              <a:t>6/15/2022</a:t>
+              <a:t>6/16/2022</a:t>
             </a:fld>
             <a:endParaRPr lang="en-US"/>
           </a:p>
@@ -11741,7 +11742,7 @@
           <a:p>
             <a:fld id="{2BB8EE20-A5E2-47D3-8F6D-A2BA7AB2E093}" type="datetime1">
               <a:rPr lang="en-US" smtClean="0"/>
-              <a:t>6/15/2022</a:t>
+              <a:t>6/16/2022</a:t>
             </a:fld>
             <a:endParaRPr lang="en-US"/>
           </a:p>
@@ -12120,7 +12121,7 @@
           <a:p>
             <a:fld id="{3382CF99-132F-413F-B7EF-71A5C33F2ED6}" type="datetime1">
               <a:rPr lang="en-US" smtClean="0"/>
-              <a:t>6/15/2022</a:t>
+              <a:t>6/16/2022</a:t>
             </a:fld>
             <a:endParaRPr lang="en-US"/>
           </a:p>
@@ -12238,7 +12239,7 @@
           <a:p>
             <a:fld id="{1F17AE06-98E0-4D9F-A059-92C3548821BB}" type="datetime1">
               <a:rPr lang="en-US" smtClean="0"/>
-              <a:t>6/15/2022</a:t>
+              <a:t>6/16/2022</a:t>
             </a:fld>
             <a:endParaRPr lang="en-US"/>
           </a:p>
@@ -12409,7 +12410,7 @@
           <a:p>
             <a:fld id="{FFBA00CA-3DDC-4705-B840-978EF5EA0707}" type="datetime1">
               <a:rPr lang="en-US" smtClean="0"/>
-              <a:t>6/15/2022</a:t>
+              <a:t>6/16/2022</a:t>
             </a:fld>
             <a:endParaRPr lang="en-US"/>
           </a:p>
@@ -12763,7 +12764,7 @@
           <a:p>
             <a:fld id="{FC366D49-0BBA-4C5A-AD96-6448CA63451A}" type="datetime1">
               <a:rPr lang="en-US" smtClean="0"/>
-              <a:t>6/15/2022</a:t>
+              <a:t>6/16/2022</a:t>
             </a:fld>
             <a:endParaRPr lang="en-US"/>
           </a:p>
@@ -13145,7 +13146,7 @@
           <a:p>
             <a:fld id="{4F4EB293-A316-472D-A8B4-6947CF1A12B7}" type="datetime1">
               <a:rPr lang="en-US" smtClean="0"/>
-              <a:t>6/15/2022</a:t>
+              <a:t>6/16/2022</a:t>
             </a:fld>
             <a:endParaRPr lang="en-US"/>
           </a:p>
@@ -13432,7 +13433,7 @@
           <a:p>
             <a:fld id="{734BCCD4-CEB1-405B-A443-DD9CBCBEA552}" type="datetime1">
               <a:rPr lang="en-US" smtClean="0"/>
-              <a:t>6/15/2022</a:t>
+              <a:t>6/16/2022</a:t>
             </a:fld>
             <a:endParaRPr lang="en-US"/>
           </a:p>
@@ -14952,6 +14953,90 @@
     <p:extLst>
       <p:ext uri="{BB962C8B-B14F-4D97-AF65-F5344CB8AC3E}">
         <p14:creationId xmlns:p14="http://schemas.microsoft.com/office/powerpoint/2010/main" val="3668938677"/>
+      </p:ext>
+    </p:extLst>
+  </p:cSld>
+  <p:clrMapOvr>
+    <a:masterClrMapping/>
+  </p:clrMapOvr>
+</p:sld>
+</file>
+
+<file path=ppt/slides/slide18.xml><?xml version="1.0" encoding="utf-8"?>
+<p:sld xmlns:a="http://schemas.openxmlformats.org/drawingml/2006/main" xmlns:r="http://schemas.openxmlformats.org/officeDocument/2006/relationships" xmlns:p="http://schemas.openxmlformats.org/presentationml/2006/main">
+  <p:cSld>
+    <p:spTree>
+      <p:nvGrpSpPr>
+        <p:cNvPr id="1" name=""/>
+        <p:cNvGrpSpPr/>
+        <p:nvPr/>
+      </p:nvGrpSpPr>
+      <p:grpSpPr>
+        <a:xfrm>
+          <a:off x="0" y="0"/>
+          <a:ext cx="0" cy="0"/>
+          <a:chOff x="0" y="0"/>
+          <a:chExt cx="0" cy="0"/>
+        </a:xfrm>
+      </p:grpSpPr>
+      <p:sp>
+        <p:nvSpPr>
+          <p:cNvPr id="2" name="Title 1">
+            <a:extLst>
+              <a:ext uri="{FF2B5EF4-FFF2-40B4-BE49-F238E27FC236}">
+                <a16:creationId xmlns:a16="http://schemas.microsoft.com/office/drawing/2014/main" id="{1D72B8E4-E0DD-18AE-881B-7A21445B6845}"/>
+              </a:ext>
+            </a:extLst>
+          </p:cNvPr>
+          <p:cNvSpPr>
+            <a:spLocks noGrp="1"/>
+          </p:cNvSpPr>
+          <p:nvPr>
+            <p:ph type="title"/>
+          </p:nvPr>
+        </p:nvSpPr>
+        <p:spPr/>
+        <p:txBody>
+          <a:bodyPr/>
+          <a:lstStyle/>
+          <a:p>
+            <a:r>
+              <a:rPr lang="en-US" dirty="0"/>
+              <a:t>Caching</a:t>
+            </a:r>
+            <a:endParaRPr lang="en-GB" dirty="0"/>
+          </a:p>
+        </p:txBody>
+      </p:sp>
+      <p:sp>
+        <p:nvSpPr>
+          <p:cNvPr id="3" name="Content Placeholder 2">
+            <a:extLst>
+              <a:ext uri="{FF2B5EF4-FFF2-40B4-BE49-F238E27FC236}">
+                <a16:creationId xmlns:a16="http://schemas.microsoft.com/office/drawing/2014/main" id="{30AE2989-D7D2-C3A9-3663-A31E46F9061D}"/>
+              </a:ext>
+            </a:extLst>
+          </p:cNvPr>
+          <p:cNvSpPr>
+            <a:spLocks noGrp="1"/>
+          </p:cNvSpPr>
+          <p:nvPr>
+            <p:ph idx="1"/>
+          </p:nvPr>
+        </p:nvSpPr>
+        <p:spPr/>
+        <p:txBody>
+          <a:bodyPr/>
+          <a:lstStyle/>
+          <a:p>
+            <a:endParaRPr lang="en-GB"/>
+          </a:p>
+        </p:txBody>
+      </p:sp>
+    </p:spTree>
+    <p:extLst>
+      <p:ext uri="{BB962C8B-B14F-4D97-AF65-F5344CB8AC3E}">
+        <p14:creationId xmlns:p14="http://schemas.microsoft.com/office/powerpoint/2010/main" val="623547468"/>
       </p:ext>
     </p:extLst>
   </p:cSld>
